--- a/Lessons/Lesson06/Lesson06.pptx
+++ b/Lessons/Lesson06/Lesson06.pptx
@@ -4086,13 +4086,13 @@
           <p:nvPr>
             <p:extLst>
               <p:ext uri="{D42A27DB-BD31-4B8C-83A1-F6EECF244321}">
-                <p14:modId xmlns:p14="http://schemas.microsoft.com/office/powerpoint/2010/main" val="3799623135"/>
+                <p14:modId xmlns:p14="http://schemas.microsoft.com/office/powerpoint/2010/main" val="2822878189"/>
               </p:ext>
             </p:extLst>
           </p:nvPr>
         </p:nvGraphicFramePr>
         <p:xfrm>
-          <a:off x="2208979" y="2522283"/>
+          <a:off x="2272479" y="1966912"/>
           <a:ext cx="6029325" cy="2657475"/>
         </p:xfrm>
         <a:graphic>
@@ -4120,7 +4120,7 @@
                     </p:blipFill>
                     <p:spPr>
                       <a:xfrm>
-                        <a:off x="2208979" y="2522283"/>
+                        <a:off x="2272479" y="1966912"/>
                         <a:ext cx="6029325" cy="2657475"/>
                       </a:xfrm>
                       <a:prstGeom prst="rect">
